--- a/science/Lorentz.pptx
+++ b/science/Lorentz.pptx
@@ -107,6 +107,11 @@
       </a:defRPr>
     </a:lvl9pPr>
   </p:defaultTextStyle>
+  <p:extLst>
+    <p:ext uri="{EFAFB233-063F-42B5-8137-9DF3F51BA10A}">
+      <p15:sldGuideLst xmlns:p15="http://schemas.microsoft.com/office/powerpoint/2012/main"/>
+    </p:ext>
+  </p:extLst>
 </p:presentation>
 </file>
 
@@ -3882,8 +3887,8 @@
           </a:fontRef>
         </p:style>
       </p:cxnSp>
-      <mc:AlternateContent xmlns:mc="http://schemas.openxmlformats.org/markup-compatibility/2006">
-        <mc:Choice xmlns:a14="http://schemas.microsoft.com/office/drawing/2010/main" Requires="a14">
+      <mc:AlternateContent xmlns:mc="http://schemas.openxmlformats.org/markup-compatibility/2006" xmlns:a14="http://schemas.microsoft.com/office/drawing/2010/main">
+        <mc:Choice Requires="a14">
           <p:sp>
             <p:nvSpPr>
               <p:cNvPr id="10" name="TextBox 9">
@@ -3912,6 +3917,7 @@
               </a:bodyPr>
               <a:lstStyle/>
               <a:p>
+                <a:pPr/>
                 <a14:m>
                   <m:oMathPara xmlns:m="http://schemas.openxmlformats.org/officeDocument/2006/math">
                     <m:oMathParaPr>
@@ -3936,7 +3942,7 @@
             </p:txBody>
           </p:sp>
         </mc:Choice>
-        <mc:Fallback>
+        <mc:Fallback xmlns="">
           <p:sp>
             <p:nvSpPr>
               <p:cNvPr id="10" name="TextBox 9">
@@ -3981,8 +3987,8 @@
           </p:sp>
         </mc:Fallback>
       </mc:AlternateContent>
-      <mc:AlternateContent xmlns:mc="http://schemas.openxmlformats.org/markup-compatibility/2006">
-        <mc:Choice xmlns:a14="http://schemas.microsoft.com/office/drawing/2010/main" Requires="a14">
+      <mc:AlternateContent xmlns:mc="http://schemas.openxmlformats.org/markup-compatibility/2006" xmlns:a14="http://schemas.microsoft.com/office/drawing/2010/main">
+        <mc:Choice Requires="a14">
           <p:sp>
             <p:nvSpPr>
               <p:cNvPr id="11" name="TextBox 10">
@@ -4011,6 +4017,7 @@
               </a:bodyPr>
               <a:lstStyle/>
               <a:p>
+                <a:pPr/>
                 <a14:m>
                   <m:oMathPara xmlns:m="http://schemas.openxmlformats.org/officeDocument/2006/math">
                     <m:oMathParaPr>
@@ -4035,7 +4042,7 @@
             </p:txBody>
           </p:sp>
         </mc:Choice>
-        <mc:Fallback>
+        <mc:Fallback xmlns="">
           <p:sp>
             <p:nvSpPr>
               <p:cNvPr id="11" name="TextBox 10">
@@ -4209,8 +4216,8 @@
           </a:fontRef>
         </p:style>
       </p:cxnSp>
-      <mc:AlternateContent xmlns:mc="http://schemas.openxmlformats.org/markup-compatibility/2006">
-        <mc:Choice xmlns:a14="http://schemas.microsoft.com/office/drawing/2010/main" Requires="a14">
+      <mc:AlternateContent xmlns:mc="http://schemas.openxmlformats.org/markup-compatibility/2006" xmlns:a14="http://schemas.microsoft.com/office/drawing/2010/main">
+        <mc:Choice Requires="a14">
           <p:sp>
             <p:nvSpPr>
               <p:cNvPr id="16" name="TextBox 15">
@@ -4278,7 +4285,7 @@
             </p:txBody>
           </p:sp>
         </mc:Choice>
-        <mc:Fallback>
+        <mc:Fallback xmlns="">
           <p:sp>
             <p:nvSpPr>
               <p:cNvPr id="16" name="TextBox 15">
@@ -4323,8 +4330,8 @@
           </p:sp>
         </mc:Fallback>
       </mc:AlternateContent>
-      <mc:AlternateContent xmlns:mc="http://schemas.openxmlformats.org/markup-compatibility/2006">
-        <mc:Choice xmlns:a14="http://schemas.microsoft.com/office/drawing/2010/main" Requires="a14">
+      <mc:AlternateContent xmlns:mc="http://schemas.openxmlformats.org/markup-compatibility/2006" xmlns:a14="http://schemas.microsoft.com/office/drawing/2010/main">
+        <mc:Choice Requires="a14">
           <p:sp>
             <p:nvSpPr>
               <p:cNvPr id="18" name="TextBox 17">
@@ -4399,7 +4406,7 @@
             </p:txBody>
           </p:sp>
         </mc:Choice>
-        <mc:Fallback>
+        <mc:Fallback xmlns="">
           <p:sp>
             <p:nvSpPr>
               <p:cNvPr id="18" name="TextBox 17">
@@ -4444,8 +4451,8 @@
           </p:sp>
         </mc:Fallback>
       </mc:AlternateContent>
-      <mc:AlternateContent xmlns:mc="http://schemas.openxmlformats.org/markup-compatibility/2006">
-        <mc:Choice xmlns:a14="http://schemas.microsoft.com/office/drawing/2010/main" Requires="a14">
+      <mc:AlternateContent xmlns:mc="http://schemas.openxmlformats.org/markup-compatibility/2006" xmlns:a14="http://schemas.microsoft.com/office/drawing/2010/main">
+        <mc:Choice Requires="a14">
           <p:sp>
             <p:nvSpPr>
               <p:cNvPr id="19" name="TextBox 18">
@@ -4513,7 +4520,7 @@
             </p:txBody>
           </p:sp>
         </mc:Choice>
-        <mc:Fallback>
+        <mc:Fallback xmlns="">
           <p:sp>
             <p:nvSpPr>
               <p:cNvPr id="19" name="TextBox 18">
@@ -4601,8 +4608,8 @@
           </a:fontRef>
         </p:style>
       </p:cxnSp>
-      <mc:AlternateContent xmlns:mc="http://schemas.openxmlformats.org/markup-compatibility/2006">
-        <mc:Choice xmlns:a14="http://schemas.microsoft.com/office/drawing/2010/main" Requires="a14">
+      <mc:AlternateContent xmlns:mc="http://schemas.openxmlformats.org/markup-compatibility/2006" xmlns:a14="http://schemas.microsoft.com/office/drawing/2010/main">
+        <mc:Choice Requires="a14">
           <p:sp>
             <p:nvSpPr>
               <p:cNvPr id="23" name="TextBox 22">
@@ -4677,7 +4684,7 @@
             </p:txBody>
           </p:sp>
         </mc:Choice>
-        <mc:Fallback>
+        <mc:Fallback xmlns="">
           <p:sp>
             <p:nvSpPr>
               <p:cNvPr id="23" name="TextBox 22">
@@ -4722,8 +4729,8 @@
           </p:sp>
         </mc:Fallback>
       </mc:AlternateContent>
-      <mc:AlternateContent xmlns:mc="http://schemas.openxmlformats.org/markup-compatibility/2006">
-        <mc:Choice xmlns:a14="http://schemas.microsoft.com/office/drawing/2010/main" Requires="a14">
+      <mc:AlternateContent xmlns:mc="http://schemas.openxmlformats.org/markup-compatibility/2006" xmlns:a14="http://schemas.microsoft.com/office/drawing/2010/main">
+        <mc:Choice Requires="a14">
           <p:sp>
             <p:nvSpPr>
               <p:cNvPr id="24" name="TextBox 23">
@@ -4752,6 +4759,7 @@
               </a:bodyPr>
               <a:lstStyle/>
               <a:p>
+                <a:pPr/>
                 <a14:m>
                   <m:oMathPara xmlns:m="http://schemas.openxmlformats.org/officeDocument/2006/math">
                     <m:oMathParaPr>
@@ -4776,7 +4784,7 @@
             </p:txBody>
           </p:sp>
         </mc:Choice>
-        <mc:Fallback>
+        <mc:Fallback xmlns="">
           <p:sp>
             <p:nvSpPr>
               <p:cNvPr id="24" name="TextBox 23">
@@ -4864,8 +4872,8 @@
           </a:fontRef>
         </p:style>
       </p:cxnSp>
-      <mc:AlternateContent xmlns:mc="http://schemas.openxmlformats.org/markup-compatibility/2006">
-        <mc:Choice xmlns:a14="http://schemas.microsoft.com/office/drawing/2010/main" Requires="a14">
+      <mc:AlternateContent xmlns:mc="http://schemas.openxmlformats.org/markup-compatibility/2006" xmlns:a14="http://schemas.microsoft.com/office/drawing/2010/main">
+        <mc:Choice Requires="a14">
           <p:sp>
             <p:nvSpPr>
               <p:cNvPr id="29" name="TextBox 28">
@@ -4894,6 +4902,7 @@
               </a:bodyPr>
               <a:lstStyle/>
               <a:p>
+                <a:pPr/>
                 <a14:m>
                   <m:oMathPara xmlns:m="http://schemas.openxmlformats.org/officeDocument/2006/math">
                     <m:oMathParaPr>
@@ -4918,7 +4927,7 @@
             </p:txBody>
           </p:sp>
         </mc:Choice>
-        <mc:Fallback>
+        <mc:Fallback xmlns="">
           <p:sp>
             <p:nvSpPr>
               <p:cNvPr id="29" name="TextBox 28">
@@ -4963,8 +4972,8 @@
           </p:sp>
         </mc:Fallback>
       </mc:AlternateContent>
-      <mc:AlternateContent xmlns:mc="http://schemas.openxmlformats.org/markup-compatibility/2006">
-        <mc:Choice xmlns:a14="http://schemas.microsoft.com/office/drawing/2010/main" Requires="a14">
+      <mc:AlternateContent xmlns:mc="http://schemas.openxmlformats.org/markup-compatibility/2006" xmlns:a14="http://schemas.microsoft.com/office/drawing/2010/main">
+        <mc:Choice Requires="a14">
           <p:sp>
             <p:nvSpPr>
               <p:cNvPr id="30" name="TextBox 29">
@@ -5032,7 +5041,7 @@
             </p:txBody>
           </p:sp>
         </mc:Choice>
-        <mc:Fallback>
+        <mc:Fallback xmlns="">
           <p:sp>
             <p:nvSpPr>
               <p:cNvPr id="30" name="TextBox 29">
@@ -5120,8 +5129,8 @@
           </a:fontRef>
         </p:style>
       </p:cxnSp>
-      <mc:AlternateContent xmlns:mc="http://schemas.openxmlformats.org/markup-compatibility/2006">
-        <mc:Choice xmlns:a14="http://schemas.microsoft.com/office/drawing/2010/main" Requires="a14">
+      <mc:AlternateContent xmlns:mc="http://schemas.openxmlformats.org/markup-compatibility/2006" xmlns:a14="http://schemas.microsoft.com/office/drawing/2010/main">
+        <mc:Choice Requires="a14">
           <p:sp>
             <p:nvSpPr>
               <p:cNvPr id="34" name="TextBox 33">
@@ -5254,7 +5263,7 @@
             </p:txBody>
           </p:sp>
         </mc:Choice>
-        <mc:Fallback>
+        <mc:Fallback xmlns="">
           <p:sp>
             <p:nvSpPr>
               <p:cNvPr id="34" name="TextBox 33">
@@ -6029,14 +6038,7 @@
                         <a:latin typeface="Cambria Math" panose="02040503050406030204" pitchFamily="18" charset="0"/>
                         <a:cs typeface="Calibri" panose="020F0502020204030204" pitchFamily="34" charset="0"/>
                       </a:rPr>
-                      <m:t>−2</m:t>
-                    </m:r>
-                    <m:r>
-                      <a:rPr lang="en-US" b="0" i="1" smtClean="0">
-                        <a:latin typeface="Cambria Math" panose="02040503050406030204" pitchFamily="18" charset="0"/>
-                        <a:cs typeface="Calibri" panose="020F0502020204030204" pitchFamily="34" charset="0"/>
-                      </a:rPr>
-                      <m:t>=</m:t>
+                      <m:t>−2=</m:t>
                     </m:r>
                     <m:d>
                       <m:dPr>
@@ -7369,14 +7371,7 @@
                             <a:latin typeface="Cambria Math" panose="02040503050406030204" pitchFamily="18" charset="0"/>
                             <a:cs typeface="Calibri" panose="020F0502020204030204" pitchFamily="34" charset="0"/>
                           </a:rPr>
-                          <m:t>𝑣</m:t>
-                        </m:r>
-                        <m:r>
-                          <a:rPr lang="en-US" b="0" i="1" smtClean="0">
-                            <a:latin typeface="Cambria Math" panose="02040503050406030204" pitchFamily="18" charset="0"/>
-                            <a:cs typeface="Calibri" panose="020F0502020204030204" pitchFamily="34" charset="0"/>
-                          </a:rPr>
-                          <m:t>𝑡</m:t>
+                          <m:t>𝑣𝑡</m:t>
                         </m:r>
                       </m:e>
                     </m:d>
@@ -7825,15 +7820,36 @@
                                 <a:latin typeface="Cambria Math" panose="02040503050406030204" pitchFamily="18" charset="0"/>
                                 <a:cs typeface="Calibri" panose="020F0502020204030204" pitchFamily="34" charset="0"/>
                               </a:rPr>
-                              <m:t>𝑣𝑥</m:t>
+                              <m:t>𝑣</m:t>
                             </m:r>
-                            <m:r>
-                              <a:rPr lang="en-US" b="0" i="1" dirty="0" smtClean="0">
-                                <a:latin typeface="Cambria Math" panose="02040503050406030204" pitchFamily="18" charset="0"/>
-                                <a:cs typeface="Calibri" panose="020F0502020204030204" pitchFamily="34" charset="0"/>
-                              </a:rPr>
-                              <m:t>′</m:t>
-                            </m:r>
+                            <m:sSup>
+                              <m:sSupPr>
+                                <m:ctrlPr>
+                                  <a:rPr lang="en-US" b="0" i="1" dirty="0" smtClean="0">
+                                    <a:latin typeface="Cambria Math" panose="02040503050406030204" pitchFamily="18" charset="0"/>
+                                    <a:cs typeface="Calibri" panose="020F0502020204030204" pitchFamily="34" charset="0"/>
+                                  </a:rPr>
+                                </m:ctrlPr>
+                              </m:sSupPr>
+                              <m:e>
+                                <m:r>
+                                  <a:rPr lang="en-US" b="0" i="1" dirty="0" smtClean="0">
+                                    <a:latin typeface="Cambria Math" panose="02040503050406030204" pitchFamily="18" charset="0"/>
+                                    <a:cs typeface="Calibri" panose="020F0502020204030204" pitchFamily="34" charset="0"/>
+                                  </a:rPr>
+                                  <m:t>𝑥</m:t>
+                                </m:r>
+                              </m:e>
+                              <m:sup>
+                                <m:r>
+                                  <a:rPr lang="en-US" b="0" i="1" dirty="0" smtClean="0">
+                                    <a:latin typeface="Cambria Math" panose="02040503050406030204" pitchFamily="18" charset="0"/>
+                                    <a:cs typeface="Calibri" panose="020F0502020204030204" pitchFamily="34" charset="0"/>
+                                  </a:rPr>
+                                  <m:t>′</m:t>
+                                </m:r>
+                              </m:sup>
+                            </m:sSup>
                           </m:num>
                           <m:den>
                             <m:sSup>
@@ -8455,7 +8471,7 @@
               <a:blipFill>
                 <a:blip r:embed="rId13"/>
                 <a:stretch>
-                  <a:fillRect l="-737" b="-8852"/>
+                  <a:fillRect l="-737" b="-9091"/>
                 </a:stretch>
               </a:blipFill>
             </p:spPr>
@@ -8474,8 +8490,8 @@
           </p:sp>
         </mc:Fallback>
       </mc:AlternateContent>
-      <mc:AlternateContent xmlns:mc="http://schemas.openxmlformats.org/markup-compatibility/2006">
-        <mc:Choice xmlns:a14="http://schemas.microsoft.com/office/drawing/2010/main" Requires="a14">
+      <mc:AlternateContent xmlns:mc="http://schemas.openxmlformats.org/markup-compatibility/2006" xmlns:a14="http://schemas.microsoft.com/office/drawing/2010/main">
+        <mc:Choice Requires="a14">
           <p:sp>
             <p:nvSpPr>
               <p:cNvPr id="36" name="TextBox 35">
@@ -8504,7 +8520,6 @@
               </a:bodyPr>
               <a:lstStyle/>
               <a:p>
-                <a:pPr/>
                 <a14:m>
                   <m:oMath xmlns:m="http://schemas.openxmlformats.org/officeDocument/2006/math">
                     <m:d>
@@ -8551,7 +8566,6 @@
                 </a:r>
               </a:p>
               <a:p>
-                <a:pPr/>
                 <a14:m>
                   <m:oMath xmlns:m="http://schemas.openxmlformats.org/officeDocument/2006/math">
                     <m:d>
@@ -8576,14 +8590,7 @@
                             <a:latin typeface="Cambria Math" panose="02040503050406030204" pitchFamily="18" charset="0"/>
                             <a:cs typeface="Calibri" panose="020F0502020204030204" pitchFamily="34" charset="0"/>
                           </a:rPr>
-                          <m:t>′</m:t>
-                        </m:r>
-                        <m:r>
-                          <a:rPr lang="en-US" sz="2000" b="0" i="1" dirty="0" smtClean="0">
-                            <a:latin typeface="Cambria Math" panose="02040503050406030204" pitchFamily="18" charset="0"/>
-                            <a:cs typeface="Calibri" panose="020F0502020204030204" pitchFamily="34" charset="0"/>
-                          </a:rPr>
-                          <m:t>, </m:t>
+                          <m:t>′, </m:t>
                         </m:r>
                         <m:r>
                           <a:rPr lang="en-US" sz="2000" b="0" i="1" dirty="0" smtClean="0">
@@ -8674,7 +8681,6 @@
                 </a:r>
               </a:p>
               <a:p>
-                <a:pPr/>
                 <a:r>
                   <a:rPr lang="en-US" dirty="0">
                     <a:latin typeface="Calibri" panose="020F0502020204030204" pitchFamily="34" charset="0"/>
@@ -8765,7 +8771,6 @@
                 </a:r>
               </a:p>
               <a:p>
-                <a:pPr/>
                 <a:endParaRPr lang="en-US" dirty="0">
                   <a:latin typeface="Calibri" panose="020F0502020204030204" pitchFamily="34" charset="0"/>
                   <a:cs typeface="Calibri" panose="020F0502020204030204" pitchFamily="34" charset="0"/>
@@ -8774,7 +8779,7 @@
             </p:txBody>
           </p:sp>
         </mc:Choice>
-        <mc:Fallback>
+        <mc:Fallback xmlns="">
           <p:sp>
             <p:nvSpPr>
               <p:cNvPr id="36" name="TextBox 35">

--- a/science/Lorentz.pptx
+++ b/science/Lorentz.pptx
@@ -3817,7 +3817,7 @@
         </p:nvCxnSpPr>
         <p:spPr>
           <a:xfrm>
-            <a:off x="537037" y="1057656"/>
+            <a:off x="537037" y="924924"/>
             <a:ext cx="0" cy="4059936"/>
           </a:xfrm>
           <a:prstGeom prst="line">
@@ -3860,7 +3860,7 @@
         </p:nvCxnSpPr>
         <p:spPr>
           <a:xfrm rot="5400000">
-            <a:off x="3254866" y="2386682"/>
+            <a:off x="3254866" y="2253950"/>
             <a:ext cx="0" cy="5486400"/>
           </a:xfrm>
           <a:prstGeom prst="line">
@@ -3887,8 +3887,8 @@
           </a:fontRef>
         </p:style>
       </p:cxnSp>
-      <mc:AlternateContent xmlns:mc="http://schemas.openxmlformats.org/markup-compatibility/2006" xmlns:a14="http://schemas.microsoft.com/office/drawing/2010/main">
-        <mc:Choice Requires="a14">
+      <mc:AlternateContent xmlns:mc="http://schemas.openxmlformats.org/markup-compatibility/2006">
+        <mc:Choice xmlns:a14="http://schemas.microsoft.com/office/drawing/2010/main" Requires="a14">
           <p:sp>
             <p:nvSpPr>
               <p:cNvPr id="10" name="TextBox 9">
@@ -3903,7 +3903,7 @@
             </p:nvSpPr>
             <p:spPr>
               <a:xfrm>
-                <a:off x="94585" y="1457927"/>
+                <a:off x="94585" y="1325195"/>
                 <a:ext cx="368710" cy="400110"/>
               </a:xfrm>
               <a:prstGeom prst="rect">
@@ -3942,7 +3942,7 @@
             </p:txBody>
           </p:sp>
         </mc:Choice>
-        <mc:Fallback xmlns="">
+        <mc:Fallback>
           <p:sp>
             <p:nvSpPr>
               <p:cNvPr id="10" name="TextBox 9">
@@ -3959,7 +3959,7 @@
             </p:nvSpPr>
             <p:spPr>
               <a:xfrm>
-                <a:off x="94585" y="1457927"/>
+                <a:off x="94585" y="1325195"/>
                 <a:ext cx="368710" cy="400110"/>
               </a:xfrm>
               <a:prstGeom prst="rect">
@@ -3987,8 +3987,8 @@
           </p:sp>
         </mc:Fallback>
       </mc:AlternateContent>
-      <mc:AlternateContent xmlns:mc="http://schemas.openxmlformats.org/markup-compatibility/2006" xmlns:a14="http://schemas.microsoft.com/office/drawing/2010/main">
-        <mc:Choice Requires="a14">
+      <mc:AlternateContent xmlns:mc="http://schemas.openxmlformats.org/markup-compatibility/2006">
+        <mc:Choice xmlns:a14="http://schemas.microsoft.com/office/drawing/2010/main" Requires="a14">
           <p:sp>
             <p:nvSpPr>
               <p:cNvPr id="11" name="TextBox 10">
@@ -4003,7 +4003,7 @@
             </p:nvSpPr>
             <p:spPr>
               <a:xfrm>
-                <a:off x="5143447" y="5158744"/>
+                <a:off x="5143447" y="4981768"/>
                 <a:ext cx="538312" cy="400110"/>
               </a:xfrm>
               <a:prstGeom prst="rect">
@@ -4042,7 +4042,7 @@
             </p:txBody>
           </p:sp>
         </mc:Choice>
-        <mc:Fallback xmlns="">
+        <mc:Fallback>
           <p:sp>
             <p:nvSpPr>
               <p:cNvPr id="11" name="TextBox 10">
@@ -4059,7 +4059,7 @@
             </p:nvSpPr>
             <p:spPr>
               <a:xfrm>
-                <a:off x="5143447" y="5158744"/>
+                <a:off x="5143447" y="4981768"/>
                 <a:ext cx="538312" cy="400110"/>
               </a:xfrm>
               <a:prstGeom prst="rect">
@@ -4103,7 +4103,7 @@
         </p:nvCxnSpPr>
         <p:spPr>
           <a:xfrm rot="1200000">
-            <a:off x="1241391" y="1192368"/>
+            <a:off x="1241391" y="1059636"/>
             <a:ext cx="0" cy="4059936"/>
           </a:xfrm>
           <a:prstGeom prst="line">
@@ -4146,7 +4146,7 @@
         </p:nvCxnSpPr>
         <p:spPr>
           <a:xfrm rot="1200000">
-            <a:off x="2853871" y="1212036"/>
+            <a:off x="2853871" y="1079304"/>
             <a:ext cx="0" cy="4059936"/>
           </a:xfrm>
           <a:prstGeom prst="line">
@@ -4189,7 +4189,7 @@
         </p:nvCxnSpPr>
         <p:spPr>
           <a:xfrm rot="1200000">
-            <a:off x="4633512" y="1212036"/>
+            <a:off x="4633512" y="1079304"/>
             <a:ext cx="0" cy="4059936"/>
           </a:xfrm>
           <a:prstGeom prst="line">
@@ -4216,8 +4216,8 @@
           </a:fontRef>
         </p:style>
       </p:cxnSp>
-      <mc:AlternateContent xmlns:mc="http://schemas.openxmlformats.org/markup-compatibility/2006" xmlns:a14="http://schemas.microsoft.com/office/drawing/2010/main">
-        <mc:Choice Requires="a14">
+      <mc:AlternateContent xmlns:mc="http://schemas.openxmlformats.org/markup-compatibility/2006">
+        <mc:Choice xmlns:a14="http://schemas.microsoft.com/office/drawing/2010/main" Requires="a14">
           <p:sp>
             <p:nvSpPr>
               <p:cNvPr id="16" name="TextBox 15">
@@ -4232,7 +4232,7 @@
             </p:nvSpPr>
             <p:spPr>
               <a:xfrm>
-                <a:off x="1559589" y="899388"/>
+                <a:off x="1559589" y="766656"/>
                 <a:ext cx="983223" cy="369332"/>
               </a:xfrm>
               <a:prstGeom prst="rect">
@@ -4285,7 +4285,7 @@
             </p:txBody>
           </p:sp>
         </mc:Choice>
-        <mc:Fallback xmlns="">
+        <mc:Fallback>
           <p:sp>
             <p:nvSpPr>
               <p:cNvPr id="16" name="TextBox 15">
@@ -4302,7 +4302,7 @@
             </p:nvSpPr>
             <p:spPr>
               <a:xfrm>
-                <a:off x="1559589" y="899388"/>
+                <a:off x="1559589" y="766656"/>
                 <a:ext cx="983223" cy="369332"/>
               </a:xfrm>
               <a:prstGeom prst="rect">
@@ -4330,8 +4330,8 @@
           </p:sp>
         </mc:Fallback>
       </mc:AlternateContent>
-      <mc:AlternateContent xmlns:mc="http://schemas.openxmlformats.org/markup-compatibility/2006" xmlns:a14="http://schemas.microsoft.com/office/drawing/2010/main">
-        <mc:Choice Requires="a14">
+      <mc:AlternateContent xmlns:mc="http://schemas.openxmlformats.org/markup-compatibility/2006">
+        <mc:Choice xmlns:a14="http://schemas.microsoft.com/office/drawing/2010/main" Requires="a14">
           <p:sp>
             <p:nvSpPr>
               <p:cNvPr id="18" name="TextBox 17">
@@ -4346,7 +4346,7 @@
             </p:nvSpPr>
             <p:spPr>
               <a:xfrm>
-                <a:off x="3142587" y="889558"/>
+                <a:off x="3142587" y="756826"/>
                 <a:ext cx="1388572" cy="369332"/>
               </a:xfrm>
               <a:prstGeom prst="rect">
@@ -4406,7 +4406,7 @@
             </p:txBody>
           </p:sp>
         </mc:Choice>
-        <mc:Fallback xmlns="">
+        <mc:Fallback>
           <p:sp>
             <p:nvSpPr>
               <p:cNvPr id="18" name="TextBox 17">
@@ -4423,7 +4423,7 @@
             </p:nvSpPr>
             <p:spPr>
               <a:xfrm>
-                <a:off x="3142587" y="889558"/>
+                <a:off x="3142587" y="756826"/>
                 <a:ext cx="1388572" cy="369332"/>
               </a:xfrm>
               <a:prstGeom prst="rect">
@@ -4451,8 +4451,8 @@
           </p:sp>
         </mc:Fallback>
       </mc:AlternateContent>
-      <mc:AlternateContent xmlns:mc="http://schemas.openxmlformats.org/markup-compatibility/2006" xmlns:a14="http://schemas.microsoft.com/office/drawing/2010/main">
-        <mc:Choice Requires="a14">
+      <mc:AlternateContent xmlns:mc="http://schemas.openxmlformats.org/markup-compatibility/2006">
+        <mc:Choice xmlns:a14="http://schemas.microsoft.com/office/drawing/2010/main" Requires="a14">
           <p:sp>
             <p:nvSpPr>
               <p:cNvPr id="19" name="TextBox 18">
@@ -4467,7 +4467,7 @@
             </p:nvSpPr>
             <p:spPr>
               <a:xfrm>
-                <a:off x="5500318" y="1444790"/>
+                <a:off x="5500318" y="1312058"/>
                 <a:ext cx="1048247" cy="369332"/>
               </a:xfrm>
               <a:prstGeom prst="rect">
@@ -4520,7 +4520,7 @@
             </p:txBody>
           </p:sp>
         </mc:Choice>
-        <mc:Fallback xmlns="">
+        <mc:Fallback>
           <p:sp>
             <p:nvSpPr>
               <p:cNvPr id="19" name="TextBox 18">
@@ -4537,7 +4537,7 @@
             </p:nvSpPr>
             <p:spPr>
               <a:xfrm>
-                <a:off x="5500318" y="1444790"/>
+                <a:off x="5500318" y="1312058"/>
                 <a:ext cx="1048247" cy="369332"/>
               </a:xfrm>
               <a:prstGeom prst="rect">
@@ -4581,7 +4581,7 @@
         </p:nvCxnSpPr>
         <p:spPr>
           <a:xfrm flipH="1">
-            <a:off x="522288" y="1745944"/>
+            <a:off x="522288" y="1613212"/>
             <a:ext cx="5417448" cy="3402970"/>
           </a:xfrm>
           <a:prstGeom prst="line">
@@ -4608,8 +4608,8 @@
           </a:fontRef>
         </p:style>
       </p:cxnSp>
-      <mc:AlternateContent xmlns:mc="http://schemas.openxmlformats.org/markup-compatibility/2006" xmlns:a14="http://schemas.microsoft.com/office/drawing/2010/main">
-        <mc:Choice Requires="a14">
+      <mc:AlternateContent xmlns:mc="http://schemas.openxmlformats.org/markup-compatibility/2006">
+        <mc:Choice xmlns:a14="http://schemas.microsoft.com/office/drawing/2010/main" Requires="a14">
           <p:sp>
             <p:nvSpPr>
               <p:cNvPr id="23" name="TextBox 22">
@@ -4624,7 +4624,7 @@
             </p:nvSpPr>
             <p:spPr>
               <a:xfrm>
-                <a:off x="4936970" y="928896"/>
+                <a:off x="4936970" y="796164"/>
                 <a:ext cx="1388572" cy="369332"/>
               </a:xfrm>
               <a:prstGeom prst="rect">
@@ -4684,7 +4684,7 @@
             </p:txBody>
           </p:sp>
         </mc:Choice>
-        <mc:Fallback xmlns="">
+        <mc:Fallback>
           <p:sp>
             <p:nvSpPr>
               <p:cNvPr id="23" name="TextBox 22">
@@ -4701,7 +4701,7 @@
             </p:nvSpPr>
             <p:spPr>
               <a:xfrm>
-                <a:off x="4936970" y="928896"/>
+                <a:off x="4936970" y="796164"/>
                 <a:ext cx="1388572" cy="369332"/>
               </a:xfrm>
               <a:prstGeom prst="rect">
@@ -4729,8 +4729,8 @@
           </p:sp>
         </mc:Fallback>
       </mc:AlternateContent>
-      <mc:AlternateContent xmlns:mc="http://schemas.openxmlformats.org/markup-compatibility/2006" xmlns:a14="http://schemas.microsoft.com/office/drawing/2010/main">
-        <mc:Choice Requires="a14">
+      <mc:AlternateContent xmlns:mc="http://schemas.openxmlformats.org/markup-compatibility/2006">
+        <mc:Choice xmlns:a14="http://schemas.microsoft.com/office/drawing/2010/main" Requires="a14">
           <p:sp>
             <p:nvSpPr>
               <p:cNvPr id="24" name="TextBox 23">
@@ -4745,7 +4745,7 @@
             </p:nvSpPr>
             <p:spPr>
               <a:xfrm>
-                <a:off x="2238013" y="3527613"/>
+                <a:off x="2238013" y="3394881"/>
                 <a:ext cx="368710" cy="400110"/>
               </a:xfrm>
               <a:prstGeom prst="rect">
@@ -4784,7 +4784,7 @@
             </p:txBody>
           </p:sp>
         </mc:Choice>
-        <mc:Fallback xmlns="">
+        <mc:Fallback>
           <p:sp>
             <p:nvSpPr>
               <p:cNvPr id="24" name="TextBox 23">
@@ -4801,7 +4801,7 @@
             </p:nvSpPr>
             <p:spPr>
               <a:xfrm>
-                <a:off x="2238013" y="3527613"/>
+                <a:off x="2238013" y="3394881"/>
                 <a:ext cx="368710" cy="400110"/>
               </a:xfrm>
               <a:prstGeom prst="rect">
@@ -4845,7 +4845,7 @@
         </p:nvCxnSpPr>
         <p:spPr>
           <a:xfrm flipH="1" flipV="1">
-            <a:off x="2615537" y="3810570"/>
+            <a:off x="2615537" y="3677838"/>
             <a:ext cx="2460312" cy="559782"/>
           </a:xfrm>
           <a:prstGeom prst="line">
@@ -4872,8 +4872,8 @@
           </a:fontRef>
         </p:style>
       </p:cxnSp>
-      <mc:AlternateContent xmlns:mc="http://schemas.openxmlformats.org/markup-compatibility/2006" xmlns:a14="http://schemas.microsoft.com/office/drawing/2010/main">
-        <mc:Choice Requires="a14">
+      <mc:AlternateContent xmlns:mc="http://schemas.openxmlformats.org/markup-compatibility/2006">
+        <mc:Choice xmlns:a14="http://schemas.microsoft.com/office/drawing/2010/main" Requires="a14">
           <p:sp>
             <p:nvSpPr>
               <p:cNvPr id="29" name="TextBox 28">
@@ -4888,7 +4888,7 @@
             </p:nvSpPr>
             <p:spPr>
               <a:xfrm>
-                <a:off x="4027484" y="3739005"/>
+                <a:off x="4027484" y="3606273"/>
                 <a:ext cx="368710" cy="400110"/>
               </a:xfrm>
               <a:prstGeom prst="rect">
@@ -4927,7 +4927,7 @@
             </p:txBody>
           </p:sp>
         </mc:Choice>
-        <mc:Fallback xmlns="">
+        <mc:Fallback>
           <p:sp>
             <p:nvSpPr>
               <p:cNvPr id="29" name="TextBox 28">
@@ -4944,7 +4944,7 @@
             </p:nvSpPr>
             <p:spPr>
               <a:xfrm>
-                <a:off x="4027484" y="3739005"/>
+                <a:off x="4027484" y="3606273"/>
                 <a:ext cx="368710" cy="400110"/>
               </a:xfrm>
               <a:prstGeom prst="rect">
@@ -4972,8 +4972,8 @@
           </p:sp>
         </mc:Fallback>
       </mc:AlternateContent>
-      <mc:AlternateContent xmlns:mc="http://schemas.openxmlformats.org/markup-compatibility/2006" xmlns:a14="http://schemas.microsoft.com/office/drawing/2010/main">
-        <mc:Choice Requires="a14">
+      <mc:AlternateContent xmlns:mc="http://schemas.openxmlformats.org/markup-compatibility/2006">
+        <mc:Choice xmlns:a14="http://schemas.microsoft.com/office/drawing/2010/main" Requires="a14">
           <p:sp>
             <p:nvSpPr>
               <p:cNvPr id="30" name="TextBox 29">
@@ -4988,7 +4988,7 @@
             </p:nvSpPr>
             <p:spPr>
               <a:xfrm>
-                <a:off x="4698795" y="4318104"/>
+                <a:off x="4698795" y="4185372"/>
                 <a:ext cx="1048247" cy="369332"/>
               </a:xfrm>
               <a:prstGeom prst="rect">
@@ -5041,7 +5041,7 @@
             </p:txBody>
           </p:sp>
         </mc:Choice>
-        <mc:Fallback xmlns="">
+        <mc:Fallback>
           <p:sp>
             <p:nvSpPr>
               <p:cNvPr id="30" name="TextBox 29">
@@ -5058,7 +5058,7 @@
             </p:nvSpPr>
             <p:spPr>
               <a:xfrm>
-                <a:off x="4698795" y="4318104"/>
+                <a:off x="4698795" y="4185372"/>
                 <a:ext cx="1048247" cy="369332"/>
               </a:xfrm>
               <a:prstGeom prst="rect">
@@ -5102,7 +5102,7 @@
         </p:nvCxnSpPr>
         <p:spPr>
           <a:xfrm flipH="1">
-            <a:off x="522288" y="3822762"/>
+            <a:off x="522288" y="3690030"/>
             <a:ext cx="5159471" cy="1328827"/>
           </a:xfrm>
           <a:prstGeom prst="line">
@@ -5129,8 +5129,8 @@
           </a:fontRef>
         </p:style>
       </p:cxnSp>
-      <mc:AlternateContent xmlns:mc="http://schemas.openxmlformats.org/markup-compatibility/2006" xmlns:a14="http://schemas.microsoft.com/office/drawing/2010/main">
-        <mc:Choice Requires="a14">
+      <mc:AlternateContent xmlns:mc="http://schemas.openxmlformats.org/markup-compatibility/2006">
+        <mc:Choice xmlns:a14="http://schemas.microsoft.com/office/drawing/2010/main" Requires="a14">
           <p:sp>
             <p:nvSpPr>
               <p:cNvPr id="34" name="TextBox 33">
@@ -5145,7 +5145,7 @@
             </p:nvSpPr>
             <p:spPr>
               <a:xfrm>
-                <a:off x="5580494" y="3785172"/>
+                <a:off x="5580494" y="3652440"/>
                 <a:ext cx="1180196" cy="707886"/>
               </a:xfrm>
               <a:prstGeom prst="rect">
@@ -5263,7 +5263,7 @@
             </p:txBody>
           </p:sp>
         </mc:Choice>
-        <mc:Fallback xmlns="">
+        <mc:Fallback>
           <p:sp>
             <p:nvSpPr>
               <p:cNvPr id="34" name="TextBox 33">
@@ -5280,7 +5280,7 @@
             </p:nvSpPr>
             <p:spPr>
               <a:xfrm>
-                <a:off x="5580494" y="3785172"/>
+                <a:off x="5580494" y="3652440"/>
                 <a:ext cx="1180196" cy="707886"/>
               </a:xfrm>
               <a:prstGeom prst="rect">
@@ -5326,7 +5326,7 @@
             </p:nvSpPr>
             <p:spPr>
               <a:xfrm>
-                <a:off x="6964766" y="753168"/>
+                <a:off x="7052055" y="461428"/>
                 <a:ext cx="5159471" cy="5295687"/>
               </a:xfrm>
               <a:prstGeom prst="rect">
@@ -8462,7 +8462,7 @@
             </p:nvSpPr>
             <p:spPr>
               <a:xfrm>
-                <a:off x="6964766" y="753168"/>
+                <a:off x="7052055" y="461428"/>
                 <a:ext cx="5159471" cy="5295687"/>
               </a:xfrm>
               <a:prstGeom prst="rect">
@@ -8490,8 +8490,8 @@
           </p:sp>
         </mc:Fallback>
       </mc:AlternateContent>
-      <mc:AlternateContent xmlns:mc="http://schemas.openxmlformats.org/markup-compatibility/2006" xmlns:a14="http://schemas.microsoft.com/office/drawing/2010/main">
-        <mc:Choice Requires="a14">
+      <mc:AlternateContent xmlns:mc="http://schemas.openxmlformats.org/markup-compatibility/2006">
+        <mc:Choice xmlns:a14="http://schemas.microsoft.com/office/drawing/2010/main" Requires="a14">
           <p:sp>
             <p:nvSpPr>
               <p:cNvPr id="36" name="TextBox 35">
@@ -8506,8 +8506,8 @@
             </p:nvSpPr>
             <p:spPr>
               <a:xfrm>
-                <a:off x="-11067" y="5425031"/>
-                <a:ext cx="7179963" cy="1247649"/>
+                <a:off x="98323" y="5365355"/>
+                <a:ext cx="7600335" cy="1524648"/>
               </a:xfrm>
               <a:prstGeom prst="rect">
                 <a:avLst/>
@@ -8771,6 +8771,51 @@
                 </a:r>
               </a:p>
               <a:p>
+                <a:r>
+                  <a:rPr lang="en-US" dirty="0">
+                    <a:latin typeface="Calibri" panose="020F0502020204030204" pitchFamily="34" charset="0"/>
+                    <a:cs typeface="Calibri" panose="020F0502020204030204" pitchFamily="34" charset="0"/>
+                  </a:rPr>
+                  <a:t>Light leaves </a:t>
+                </a:r>
+                <a14:m>
+                  <m:oMath xmlns:m="http://schemas.openxmlformats.org/officeDocument/2006/math">
+                    <m:r>
+                      <a:rPr lang="en-US" b="0" i="1" smtClean="0">
+                        <a:latin typeface="Cambria Math" panose="02040503050406030204" pitchFamily="18" charset="0"/>
+                        <a:cs typeface="Calibri" panose="020F0502020204030204" pitchFamily="34" charset="0"/>
+                      </a:rPr>
+                      <m:t>𝑏</m:t>
+                    </m:r>
+                  </m:oMath>
+                </a14:m>
+                <a:r>
+                  <a:rPr lang="en-US" dirty="0">
+                    <a:latin typeface="Calibri" panose="020F0502020204030204" pitchFamily="34" charset="0"/>
+                    <a:cs typeface="Calibri" panose="020F0502020204030204" pitchFamily="34" charset="0"/>
+                  </a:rPr>
+                  <a:t> at same time (in moving frame).  Both arrive at </a:t>
+                </a:r>
+                <a14:m>
+                  <m:oMath xmlns:m="http://schemas.openxmlformats.org/officeDocument/2006/math">
+                    <m:r>
+                      <a:rPr lang="en-US" b="0" i="1" smtClean="0">
+                        <a:latin typeface="Cambria Math" panose="02040503050406030204" pitchFamily="18" charset="0"/>
+                        <a:cs typeface="Calibri" panose="020F0502020204030204" pitchFamily="34" charset="0"/>
+                      </a:rPr>
+                      <m:t>𝑎</m:t>
+                    </m:r>
+                  </m:oMath>
+                </a14:m>
+                <a:r>
+                  <a:rPr lang="en-US" dirty="0">
+                    <a:latin typeface="Calibri" panose="020F0502020204030204" pitchFamily="34" charset="0"/>
+                    <a:cs typeface="Calibri" panose="020F0502020204030204" pitchFamily="34" charset="0"/>
+                  </a:rPr>
+                  <a:t> simultaneously.</a:t>
+                </a:r>
+              </a:p>
+              <a:p>
                 <a:endParaRPr lang="en-US" dirty="0">
                   <a:latin typeface="Calibri" panose="020F0502020204030204" pitchFamily="34" charset="0"/>
                   <a:cs typeface="Calibri" panose="020F0502020204030204" pitchFamily="34" charset="0"/>
@@ -8779,7 +8824,7 @@
             </p:txBody>
           </p:sp>
         </mc:Choice>
-        <mc:Fallback xmlns="">
+        <mc:Fallback>
           <p:sp>
             <p:nvSpPr>
               <p:cNvPr id="36" name="TextBox 35">
@@ -8796,8 +8841,8 @@
             </p:nvSpPr>
             <p:spPr>
               <a:xfrm>
-                <a:off x="-11067" y="5425031"/>
-                <a:ext cx="7179963" cy="1247649"/>
+                <a:off x="98323" y="5365355"/>
+                <a:ext cx="7600335" cy="1524648"/>
               </a:xfrm>
               <a:prstGeom prst="rect">
                 <a:avLst/>
@@ -8805,7 +8850,7 @@
               <a:blipFill>
                 <a:blip r:embed="rId14"/>
                 <a:stretch>
-                  <a:fillRect l="-707"/>
+                  <a:fillRect l="-667"/>
                 </a:stretch>
               </a:blipFill>
             </p:spPr>
@@ -8838,7 +8883,7 @@
         </p:nvSpPr>
         <p:spPr>
           <a:xfrm>
-            <a:off x="3048000" y="975360"/>
+            <a:off x="3048000" y="842628"/>
             <a:ext cx="184731" cy="369332"/>
           </a:xfrm>
           <a:prstGeom prst="rect">
